--- a/doc/界面设计/界面设计.pptx
+++ b/doc/界面设计/界面设计.pptx
@@ -106,6 +106,11 @@
       </a:defRPr>
     </a:lvl9pPr>
   </p:defaultTextStyle>
+  <p:extLst>
+    <p:ext uri="{EFAFB233-063F-42B5-8137-9DF3F51BA10A}">
+      <p15:sldGuideLst xmlns:p15="http://schemas.microsoft.com/office/powerpoint/2012/main"/>
+    </p:ext>
+  </p:extLst>
 </p:presentation>
 </file>
 
@@ -256,7 +261,7 @@
           <a:p>
             <a:fld id="{107001AE-C816-4F54-A96F-C68D29071516}" type="datetimeFigureOut">
               <a:rPr lang="zh-CN" altLang="en-US" smtClean="0"/>
-              <a:t>2024/8/8</a:t>
+              <a:t>2024/8/9</a:t>
             </a:fld>
             <a:endParaRPr lang="zh-CN" altLang="en-US"/>
           </a:p>
@@ -454,7 +459,7 @@
           <a:p>
             <a:fld id="{107001AE-C816-4F54-A96F-C68D29071516}" type="datetimeFigureOut">
               <a:rPr lang="zh-CN" altLang="en-US" smtClean="0"/>
-              <a:t>2024/8/8</a:t>
+              <a:t>2024/8/9</a:t>
             </a:fld>
             <a:endParaRPr lang="zh-CN" altLang="en-US"/>
           </a:p>
@@ -662,7 +667,7 @@
           <a:p>
             <a:fld id="{107001AE-C816-4F54-A96F-C68D29071516}" type="datetimeFigureOut">
               <a:rPr lang="zh-CN" altLang="en-US" smtClean="0"/>
-              <a:t>2024/8/8</a:t>
+              <a:t>2024/8/9</a:t>
             </a:fld>
             <a:endParaRPr lang="zh-CN" altLang="en-US"/>
           </a:p>
@@ -860,7 +865,7 @@
           <a:p>
             <a:fld id="{107001AE-C816-4F54-A96F-C68D29071516}" type="datetimeFigureOut">
               <a:rPr lang="zh-CN" altLang="en-US" smtClean="0"/>
-              <a:t>2024/8/8</a:t>
+              <a:t>2024/8/9</a:t>
             </a:fld>
             <a:endParaRPr lang="zh-CN" altLang="en-US"/>
           </a:p>
@@ -1135,7 +1140,7 @@
           <a:p>
             <a:fld id="{107001AE-C816-4F54-A96F-C68D29071516}" type="datetimeFigureOut">
               <a:rPr lang="zh-CN" altLang="en-US" smtClean="0"/>
-              <a:t>2024/8/8</a:t>
+              <a:t>2024/8/9</a:t>
             </a:fld>
             <a:endParaRPr lang="zh-CN" altLang="en-US"/>
           </a:p>
@@ -1400,7 +1405,7 @@
           <a:p>
             <a:fld id="{107001AE-C816-4F54-A96F-C68D29071516}" type="datetimeFigureOut">
               <a:rPr lang="zh-CN" altLang="en-US" smtClean="0"/>
-              <a:t>2024/8/8</a:t>
+              <a:t>2024/8/9</a:t>
             </a:fld>
             <a:endParaRPr lang="zh-CN" altLang="en-US"/>
           </a:p>
@@ -1812,7 +1817,7 @@
           <a:p>
             <a:fld id="{107001AE-C816-4F54-A96F-C68D29071516}" type="datetimeFigureOut">
               <a:rPr lang="zh-CN" altLang="en-US" smtClean="0"/>
-              <a:t>2024/8/8</a:t>
+              <a:t>2024/8/9</a:t>
             </a:fld>
             <a:endParaRPr lang="zh-CN" altLang="en-US"/>
           </a:p>
@@ -1953,7 +1958,7 @@
           <a:p>
             <a:fld id="{107001AE-C816-4F54-A96F-C68D29071516}" type="datetimeFigureOut">
               <a:rPr lang="zh-CN" altLang="en-US" smtClean="0"/>
-              <a:t>2024/8/8</a:t>
+              <a:t>2024/8/9</a:t>
             </a:fld>
             <a:endParaRPr lang="zh-CN" altLang="en-US"/>
           </a:p>
@@ -2066,7 +2071,7 @@
           <a:p>
             <a:fld id="{107001AE-C816-4F54-A96F-C68D29071516}" type="datetimeFigureOut">
               <a:rPr lang="zh-CN" altLang="en-US" smtClean="0"/>
-              <a:t>2024/8/8</a:t>
+              <a:t>2024/8/9</a:t>
             </a:fld>
             <a:endParaRPr lang="zh-CN" altLang="en-US"/>
           </a:p>
@@ -2377,7 +2382,7 @@
           <a:p>
             <a:fld id="{107001AE-C816-4F54-A96F-C68D29071516}" type="datetimeFigureOut">
               <a:rPr lang="zh-CN" altLang="en-US" smtClean="0"/>
-              <a:t>2024/8/8</a:t>
+              <a:t>2024/8/9</a:t>
             </a:fld>
             <a:endParaRPr lang="zh-CN" altLang="en-US"/>
           </a:p>
@@ -2665,7 +2670,7 @@
           <a:p>
             <a:fld id="{107001AE-C816-4F54-A96F-C68D29071516}" type="datetimeFigureOut">
               <a:rPr lang="zh-CN" altLang="en-US" smtClean="0"/>
-              <a:t>2024/8/8</a:t>
+              <a:t>2024/8/9</a:t>
             </a:fld>
             <a:endParaRPr lang="zh-CN" altLang="en-US"/>
           </a:p>
@@ -2906,7 +2911,7 @@
           <a:p>
             <a:fld id="{107001AE-C816-4F54-A96F-C68D29071516}" type="datetimeFigureOut">
               <a:rPr lang="zh-CN" altLang="en-US" smtClean="0"/>
-              <a:t>2024/8/8</a:t>
+              <a:t>2024/8/9</a:t>
             </a:fld>
             <a:endParaRPr lang="zh-CN" altLang="en-US"/>
           </a:p>
@@ -4514,7 +4519,7 @@
         <p:spPr>
           <a:xfrm>
             <a:off x="3749040" y="1836420"/>
-            <a:ext cx="4861562" cy="413028"/>
+            <a:ext cx="4160520" cy="413028"/>
           </a:xfrm>
           <a:prstGeom prst="rect">
             <a:avLst/>
@@ -4561,7 +4566,7 @@
         </p:nvSpPr>
         <p:spPr>
           <a:xfrm>
-            <a:off x="8736330" y="1806714"/>
+            <a:off x="7997190" y="1806714"/>
             <a:ext cx="472440" cy="472440"/>
           </a:xfrm>
           <a:prstGeom prst="ellipse">
@@ -4607,7 +4612,7 @@
         </p:nvSpPr>
         <p:spPr>
           <a:xfrm>
-            <a:off x="8526780" y="1118368"/>
+            <a:off x="7780022" y="1118368"/>
             <a:ext cx="876300" cy="646331"/>
           </a:xfrm>
           <a:prstGeom prst="rect">
@@ -4713,6 +4718,95 @@
               <a:rPr lang="zh-CN" altLang="en-US" dirty="0"/>
               <a:t>记录</a:t>
             </a:r>
+          </a:p>
+        </p:txBody>
+      </p:sp>
+      <p:sp>
+        <p:nvSpPr>
+          <p:cNvPr id="15" name="椭圆 14">
+            <a:extLst>
+              <a:ext uri="{FF2B5EF4-FFF2-40B4-BE49-F238E27FC236}">
+                <a16:creationId xmlns:a16="http://schemas.microsoft.com/office/drawing/2014/main" id="{43259E48-6ABA-2B1C-0556-44D88B857E96}"/>
+              </a:ext>
+            </a:extLst>
+          </p:cNvPr>
+          <p:cNvSpPr/>
+          <p:nvPr/>
+        </p:nvSpPr>
+        <p:spPr>
+          <a:xfrm>
+            <a:off x="8713470" y="1806714"/>
+            <a:ext cx="472440" cy="472440"/>
+          </a:xfrm>
+          <a:prstGeom prst="ellipse">
+            <a:avLst/>
+          </a:prstGeom>
+        </p:spPr>
+        <p:style>
+          <a:lnRef idx="2">
+            <a:schemeClr val="accent1">
+              <a:shade val="15000"/>
+            </a:schemeClr>
+          </a:lnRef>
+          <a:fillRef idx="1">
+            <a:schemeClr val="accent1"/>
+          </a:fillRef>
+          <a:effectRef idx="0">
+            <a:schemeClr val="accent1"/>
+          </a:effectRef>
+          <a:fontRef idx="minor">
+            <a:schemeClr val="lt1"/>
+          </a:fontRef>
+        </p:style>
+        <p:txBody>
+          <a:bodyPr rtlCol="0" anchor="ctr"/>
+          <a:lstStyle/>
+          <a:p>
+            <a:pPr algn="ctr"/>
+            <a:endParaRPr lang="zh-CN" altLang="en-US"/>
+          </a:p>
+        </p:txBody>
+      </p:sp>
+      <p:sp>
+        <p:nvSpPr>
+          <p:cNvPr id="20" name="文本框 19">
+            <a:extLst>
+              <a:ext uri="{FF2B5EF4-FFF2-40B4-BE49-F238E27FC236}">
+                <a16:creationId xmlns:a16="http://schemas.microsoft.com/office/drawing/2014/main" id="{33547C39-ECCA-403A-B3FC-EF5A72B5BD4B}"/>
+              </a:ext>
+            </a:extLst>
+          </p:cNvPr>
+          <p:cNvSpPr txBox="1"/>
+          <p:nvPr/>
+        </p:nvSpPr>
+        <p:spPr>
+          <a:xfrm>
+            <a:off x="8625840" y="1118368"/>
+            <a:ext cx="876300" cy="646331"/>
+          </a:xfrm>
+          <a:prstGeom prst="rect">
+            <a:avLst/>
+          </a:prstGeom>
+          <a:noFill/>
+        </p:spPr>
+        <p:txBody>
+          <a:bodyPr wrap="square" rtlCol="0">
+            <a:spAutoFit/>
+          </a:bodyPr>
+          <a:lstStyle/>
+          <a:p>
+            <a:r>
+              <a:rPr lang="zh-CN" altLang="en-US" dirty="0"/>
+              <a:t>记录</a:t>
+            </a:r>
+            <a:br>
+              <a:rPr lang="en-US" altLang="zh-CN"/>
+            </a:br>
+            <a:r>
+              <a:rPr lang="zh-CN" altLang="en-US"/>
+              <a:t>配置</a:t>
+            </a:r>
+            <a:endParaRPr lang="zh-CN" altLang="en-US" dirty="0"/>
           </a:p>
         </p:txBody>
       </p:sp>
